--- a/piece_or_peace.pptx
+++ b/piece_or_peace.pptx
@@ -114,7 +114,7 @@
   </p:defaultTextStyle>
   <p:extLst>
     <p:ext uri="{EFAFB233-063F-42B5-8137-9DF3F51BA10A}">
-      <p15:sldGuideLst xmlns:p15="http://schemas.microsoft.com/office/powerpoint/2012/main" xmlns="">
+      <p15:sldGuideLst xmlns="" xmlns:p15="http://schemas.microsoft.com/office/powerpoint/2012/main">
         <p15:guide id="1" orient="horz" pos="2160">
           <p15:clr>
             <a:srgbClr val="A4A3A4"/>
@@ -301,7 +301,7 @@
           <a:p>
             <a:fld id="{11A4C650-028D-4D2B-9466-E59C8ADF7F14}" type="datetimeFigureOut">
               <a:rPr lang="ko-KR" altLang="en-US" smtClean="0"/>
-              <a:t>2016-09-20</a:t>
+              <a:t>2016-10-02</a:t>
             </a:fld>
             <a:endParaRPr lang="ko-KR" altLang="en-US"/>
           </a:p>
@@ -568,7 +568,7 @@
           <a:p>
             <a:fld id="{11A4C650-028D-4D2B-9466-E59C8ADF7F14}" type="datetimeFigureOut">
               <a:rPr lang="ko-KR" altLang="en-US" smtClean="0"/>
-              <a:t>2016-09-20</a:t>
+              <a:t>2016-10-02</a:t>
             </a:fld>
             <a:endParaRPr lang="ko-KR" altLang="en-US"/>
           </a:p>
@@ -799,7 +799,7 @@
           <a:p>
             <a:fld id="{11A4C650-028D-4D2B-9466-E59C8ADF7F14}" type="datetimeFigureOut">
               <a:rPr lang="ko-KR" altLang="en-US" smtClean="0"/>
-              <a:t>2016-09-20</a:t>
+              <a:t>2016-10-02</a:t>
             </a:fld>
             <a:endParaRPr lang="ko-KR" altLang="en-US"/>
           </a:p>
@@ -1109,7 +1109,7 @@
           <a:p>
             <a:fld id="{11A4C650-028D-4D2B-9466-E59C8ADF7F14}" type="datetimeFigureOut">
               <a:rPr lang="ko-KR" altLang="en-US" smtClean="0"/>
-              <a:t>2016-09-20</a:t>
+              <a:t>2016-10-02</a:t>
             </a:fld>
             <a:endParaRPr lang="ko-KR" altLang="en-US"/>
           </a:p>
@@ -1582,7 +1582,7 @@
           <a:p>
             <a:fld id="{11A4C650-028D-4D2B-9466-E59C8ADF7F14}" type="datetimeFigureOut">
               <a:rPr lang="ko-KR" altLang="en-US" smtClean="0"/>
-              <a:t>2016-09-20</a:t>
+              <a:t>2016-10-02</a:t>
             </a:fld>
             <a:endParaRPr lang="ko-KR" altLang="en-US"/>
           </a:p>
@@ -2129,7 +2129,7 @@
           <a:p>
             <a:fld id="{11A4C650-028D-4D2B-9466-E59C8ADF7F14}" type="datetimeFigureOut">
               <a:rPr lang="ko-KR" altLang="en-US" smtClean="0"/>
-              <a:t>2016-09-20</a:t>
+              <a:t>2016-10-02</a:t>
             </a:fld>
             <a:endParaRPr lang="ko-KR" altLang="en-US"/>
           </a:p>
@@ -2903,7 +2903,7 @@
           <a:p>
             <a:fld id="{11A4C650-028D-4D2B-9466-E59C8ADF7F14}" type="datetimeFigureOut">
               <a:rPr lang="ko-KR" altLang="en-US" smtClean="0"/>
-              <a:t>2016-09-20</a:t>
+              <a:t>2016-10-02</a:t>
             </a:fld>
             <a:endParaRPr lang="ko-KR" altLang="en-US"/>
           </a:p>
@@ -3078,7 +3078,7 @@
           <a:p>
             <a:fld id="{11A4C650-028D-4D2B-9466-E59C8ADF7F14}" type="datetimeFigureOut">
               <a:rPr lang="ko-KR" altLang="en-US" smtClean="0"/>
-              <a:t>2016-09-20</a:t>
+              <a:t>2016-10-02</a:t>
             </a:fld>
             <a:endParaRPr lang="ko-KR" altLang="en-US"/>
           </a:p>
@@ -3301,7 +3301,7 @@
           <a:p>
             <a:fld id="{11A4C650-028D-4D2B-9466-E59C8ADF7F14}" type="datetimeFigureOut">
               <a:rPr lang="ko-KR" altLang="en-US" smtClean="0"/>
-              <a:t>2016-09-20</a:t>
+              <a:t>2016-10-02</a:t>
             </a:fld>
             <a:endParaRPr lang="ko-KR" altLang="en-US"/>
           </a:p>
@@ -3481,7 +3481,7 @@
           <a:p>
             <a:fld id="{11A4C650-028D-4D2B-9466-E59C8ADF7F14}" type="datetimeFigureOut">
               <a:rPr lang="ko-KR" altLang="en-US" smtClean="0"/>
-              <a:t>2016-09-20</a:t>
+              <a:t>2016-10-02</a:t>
             </a:fld>
             <a:endParaRPr lang="ko-KR" altLang="en-US"/>
           </a:p>
@@ -3770,7 +3770,7 @@
           <a:p>
             <a:fld id="{11A4C650-028D-4D2B-9466-E59C8ADF7F14}" type="datetimeFigureOut">
               <a:rPr lang="ko-KR" altLang="en-US" smtClean="0"/>
-              <a:t>2016-09-20</a:t>
+              <a:t>2016-10-02</a:t>
             </a:fld>
             <a:endParaRPr lang="ko-KR" altLang="en-US"/>
           </a:p>
@@ -4012,7 +4012,7 @@
           <a:p>
             <a:fld id="{11A4C650-028D-4D2B-9466-E59C8ADF7F14}" type="datetimeFigureOut">
               <a:rPr lang="ko-KR" altLang="en-US" smtClean="0"/>
-              <a:t>2016-09-20</a:t>
+              <a:t>2016-10-02</a:t>
             </a:fld>
             <a:endParaRPr lang="ko-KR" altLang="en-US"/>
           </a:p>
@@ -4391,7 +4391,7 @@
           <a:p>
             <a:fld id="{11A4C650-028D-4D2B-9466-E59C8ADF7F14}" type="datetimeFigureOut">
               <a:rPr lang="ko-KR" altLang="en-US" smtClean="0"/>
-              <a:t>2016-09-20</a:t>
+              <a:t>2016-10-02</a:t>
             </a:fld>
             <a:endParaRPr lang="ko-KR" altLang="en-US"/>
           </a:p>
@@ -4509,7 +4509,7 @@
           <a:p>
             <a:fld id="{11A4C650-028D-4D2B-9466-E59C8ADF7F14}" type="datetimeFigureOut">
               <a:rPr lang="ko-KR" altLang="en-US" smtClean="0"/>
-              <a:t>2016-09-20</a:t>
+              <a:t>2016-10-02</a:t>
             </a:fld>
             <a:endParaRPr lang="ko-KR" altLang="en-US"/>
           </a:p>
@@ -4604,7 +4604,7 @@
           <a:p>
             <a:fld id="{11A4C650-028D-4D2B-9466-E59C8ADF7F14}" type="datetimeFigureOut">
               <a:rPr lang="ko-KR" altLang="en-US" smtClean="0"/>
-              <a:t>2016-09-20</a:t>
+              <a:t>2016-10-02</a:t>
             </a:fld>
             <a:endParaRPr lang="ko-KR" altLang="en-US"/>
           </a:p>
@@ -4853,7 +4853,7 @@
           <a:p>
             <a:fld id="{11A4C650-028D-4D2B-9466-E59C8ADF7F14}" type="datetimeFigureOut">
               <a:rPr lang="ko-KR" altLang="en-US" smtClean="0"/>
-              <a:t>2016-09-20</a:t>
+              <a:t>2016-10-02</a:t>
             </a:fld>
             <a:endParaRPr lang="ko-KR" altLang="en-US"/>
           </a:p>
@@ -5110,7 +5110,7 @@
           <a:p>
             <a:fld id="{11A4C650-028D-4D2B-9466-E59C8ADF7F14}" type="datetimeFigureOut">
               <a:rPr lang="ko-KR" altLang="en-US" smtClean="0"/>
-              <a:t>2016-09-20</a:t>
+              <a:t>2016-10-02</a:t>
             </a:fld>
             <a:endParaRPr lang="ko-KR" altLang="en-US"/>
           </a:p>
@@ -5353,7 +5353,7 @@
           <a:p>
             <a:fld id="{11A4C650-028D-4D2B-9466-E59C8ADF7F14}" type="datetimeFigureOut">
               <a:rPr lang="ko-KR" altLang="en-US" smtClean="0"/>
-              <a:t>2016-09-20</a:t>
+              <a:t>2016-10-02</a:t>
             </a:fld>
             <a:endParaRPr lang="ko-KR" altLang="en-US"/>
           </a:p>
@@ -5803,6 +5803,32 @@
               </a:rPr>
               <a:t>PEACE</a:t>
             </a:r>
+            <a:br>
+              <a:rPr lang="en-US" altLang="ko-KR" dirty="0" smtClean="0">
+                <a:solidFill>
+                  <a:srgbClr val="FF0000"/>
+                </a:solidFill>
+                <a:latin typeface="Algerian" panose="04020705040A02060702" pitchFamily="82" charset="0"/>
+              </a:rPr>
+            </a:br>
+            <a:r>
+              <a:rPr lang="en-US" altLang="ko-KR" dirty="0" smtClean="0">
+                <a:solidFill>
+                  <a:srgbClr val="FF0000"/>
+                </a:solidFill>
+                <a:latin typeface="Algerian" panose="04020705040A02060702" pitchFamily="82" charset="0"/>
+              </a:rPr>
+              <a:t>1</a:t>
+            </a:r>
+            <a:r>
+              <a:rPr lang="ko-KR" altLang="en-US" dirty="0" smtClean="0">
+                <a:solidFill>
+                  <a:srgbClr val="FF0000"/>
+                </a:solidFill>
+                <a:latin typeface="Algerian" panose="04020705040A02060702" pitchFamily="82" charset="0"/>
+              </a:rPr>
+              <a:t>차 수정</a:t>
+            </a:r>
             <a:endParaRPr lang="ko-KR" altLang="en-US" dirty="0">
               <a:solidFill>
                 <a:srgbClr val="FF0000"/>
@@ -6761,14 +6787,14 @@
             <p:ph idx="1"/>
             <p:extLst>
               <p:ext uri="{D42A27DB-BD31-4B8C-83A1-F6EECF244321}">
-                <p14:modId xmlns:p14="http://schemas.microsoft.com/office/powerpoint/2010/main" val="3665040348"/>
+                <p14:modId xmlns:p14="http://schemas.microsoft.com/office/powerpoint/2010/main" val="1542147991"/>
               </p:ext>
             </p:extLst>
           </p:nvPr>
         </p:nvGraphicFramePr>
         <p:xfrm>
           <a:off x="755576" y="1844824"/>
-          <a:ext cx="7704858" cy="4752528"/>
+          <a:ext cx="7704858" cy="5149160"/>
         </p:xfrm>
         <a:graphic>
           <a:graphicData uri="http://schemas.openxmlformats.org/drawingml/2006/table">
@@ -6780,21 +6806,21 @@
                 <a:gridCol w="2568286">
                   <a:extLst>
                     <a:ext uri="{9D8B030D-6E8A-4147-A177-3AD203B41FA5}">
-                      <a16:colId xmlns:a16="http://schemas.microsoft.com/office/drawing/2014/main" xmlns="" val="20000"/>
+                      <a16:colId xmlns="" xmlns:a16="http://schemas.microsoft.com/office/drawing/2014/main" val="20000"/>
                     </a:ext>
                   </a:extLst>
                 </a:gridCol>
                 <a:gridCol w="2568286">
                   <a:extLst>
                     <a:ext uri="{9D8B030D-6E8A-4147-A177-3AD203B41FA5}">
-                      <a16:colId xmlns:a16="http://schemas.microsoft.com/office/drawing/2014/main" xmlns="" val="20001"/>
+                      <a16:colId xmlns="" xmlns:a16="http://schemas.microsoft.com/office/drawing/2014/main" val="20001"/>
                     </a:ext>
                   </a:extLst>
                 </a:gridCol>
                 <a:gridCol w="2568286">
                   <a:extLst>
                     <a:ext uri="{9D8B030D-6E8A-4147-A177-3AD203B41FA5}">
-                      <a16:colId xmlns:a16="http://schemas.microsoft.com/office/drawing/2014/main" xmlns="" val="20002"/>
+                      <a16:colId xmlns="" xmlns:a16="http://schemas.microsoft.com/office/drawing/2014/main" val="20002"/>
                     </a:ext>
                   </a:extLst>
                 </a:gridCol>
@@ -6851,7 +6877,7 @@
                 </a:tc>
                 <a:extLst>
                   <a:ext uri="{0D108BD9-81ED-4DB2-BD59-A6C34878D82A}">
-                    <a16:rowId xmlns:a16="http://schemas.microsoft.com/office/drawing/2014/main" xmlns="" val="10000"/>
+                    <a16:rowId xmlns="" xmlns:a16="http://schemas.microsoft.com/office/drawing/2014/main" val="10000"/>
                   </a:ext>
                 </a:extLst>
               </a:tr>
@@ -6935,7 +6961,7 @@
                 </a:tc>
                 <a:extLst>
                   <a:ext uri="{0D108BD9-81ED-4DB2-BD59-A6C34878D82A}">
-                    <a16:rowId xmlns:a16="http://schemas.microsoft.com/office/drawing/2014/main" xmlns="" val="10001"/>
+                    <a16:rowId xmlns="" xmlns:a16="http://schemas.microsoft.com/office/drawing/2014/main" val="10001"/>
                   </a:ext>
                 </a:extLst>
               </a:tr>
@@ -7039,7 +7065,7 @@
                 </a:tc>
                 <a:extLst>
                   <a:ext uri="{0D108BD9-81ED-4DB2-BD59-A6C34878D82A}">
-                    <a16:rowId xmlns:a16="http://schemas.microsoft.com/office/drawing/2014/main" xmlns="" val="10002"/>
+                    <a16:rowId xmlns="" xmlns:a16="http://schemas.microsoft.com/office/drawing/2014/main" val="10002"/>
                   </a:ext>
                 </a:extLst>
               </a:tr>
@@ -7127,7 +7153,7 @@
                 </a:tc>
                 <a:extLst>
                   <a:ext uri="{0D108BD9-81ED-4DB2-BD59-A6C34878D82A}">
-                    <a16:rowId xmlns:a16="http://schemas.microsoft.com/office/drawing/2014/main" xmlns="" val="10003"/>
+                    <a16:rowId xmlns="" xmlns:a16="http://schemas.microsoft.com/office/drawing/2014/main" val="10003"/>
                   </a:ext>
                 </a:extLst>
               </a:tr>
@@ -7187,7 +7213,7 @@
                 </a:tc>
                 <a:extLst>
                   <a:ext uri="{0D108BD9-81ED-4DB2-BD59-A6C34878D82A}">
-                    <a16:rowId xmlns:a16="http://schemas.microsoft.com/office/drawing/2014/main" xmlns="" val="10004"/>
+                    <a16:rowId xmlns="" xmlns:a16="http://schemas.microsoft.com/office/drawing/2014/main" val="10004"/>
                   </a:ext>
                 </a:extLst>
               </a:tr>
@@ -7239,7 +7265,19 @@
                       </a:r>
                       <a:r>
                         <a:rPr lang="en-US" altLang="ko-KR" dirty="0" smtClean="0"/>
-                        <a:t>)</a:t>
+                        <a:t>) </a:t>
+                      </a:r>
+                      <a:r>
+                        <a:rPr lang="ko-KR" altLang="en-US" dirty="0" smtClean="0"/>
+                        <a:t>현재까지 적정 리소스</a:t>
+                      </a:r>
+                      <a:r>
+                        <a:rPr lang="ko-KR" altLang="en-US" baseline="0" dirty="0" smtClean="0"/>
+                        <a:t> </a:t>
+                      </a:r>
+                      <a:r>
+                        <a:rPr lang="ko-KR" altLang="en-US" baseline="0" smtClean="0"/>
+                        <a:t>못찾음</a:t>
                       </a:r>
                       <a:endParaRPr lang="ko-KR" altLang="en-US" dirty="0"/>
                     </a:p>
@@ -7283,7 +7321,7 @@
                 </a:tc>
                 <a:extLst>
                   <a:ext uri="{0D108BD9-81ED-4DB2-BD59-A6C34878D82A}">
-                    <a16:rowId xmlns:a16="http://schemas.microsoft.com/office/drawing/2014/main" xmlns="" val="10005"/>
+                    <a16:rowId xmlns="" xmlns:a16="http://schemas.microsoft.com/office/drawing/2014/main" val="10005"/>
                   </a:ext>
                 </a:extLst>
               </a:tr>
@@ -7433,7 +7471,7 @@
             <p:ph idx="1"/>
             <p:extLst>
               <p:ext uri="{D42A27DB-BD31-4B8C-83A1-F6EECF244321}">
-                <p14:modId xmlns:p14="http://schemas.microsoft.com/office/powerpoint/2010/main" val="1220228871"/>
+                <p14:modId xmlns:p14="http://schemas.microsoft.com/office/powerpoint/2010/main" val="198189734"/>
               </p:ext>
             </p:extLst>
           </p:nvPr>
@@ -7504,7 +7542,7 @@
                   </a:txBody>
                   <a:tcPr/>
                 </a:tc>
-                <a:tc>
+                <a:tc rowSpan="2">
                   <a:txBody>
                     <a:bodyPr/>
                     <a:lstStyle/>
@@ -7512,7 +7550,11 @@
                       <a:pPr latinLnBrk="1"/>
                       <a:r>
                         <a:rPr lang="ko-KR" altLang="en-US" dirty="0" smtClean="0"/>
-                        <a:t>리소스 수집 및 설정 정하기</a:t>
+                        <a:t>리소스 수집 및 설정 </a:t>
+                      </a:r>
+                      <a:r>
+                        <a:rPr lang="ko-KR" altLang="en-US" dirty="0" smtClean="0"/>
+                        <a:t>정하기</a:t>
                       </a:r>
                       <a:endParaRPr lang="ko-KR" altLang="en-US" dirty="0"/>
                     </a:p>
@@ -7540,16 +7582,12 @@
                   </a:txBody>
                   <a:tcPr/>
                 </a:tc>
-                <a:tc>
+                <a:tc vMerge="1">
                   <a:txBody>
                     <a:bodyPr/>
                     <a:lstStyle/>
                     <a:p>
                       <a:pPr latinLnBrk="1"/>
-                      <a:r>
-                        <a:rPr lang="ko-KR" altLang="en-US" dirty="0" smtClean="0"/>
-                        <a:t>캐릭터 움직임 구현 밑 사운드 파일 수집</a:t>
-                      </a:r>
                       <a:endParaRPr lang="ko-KR" altLang="en-US" dirty="0"/>
                     </a:p>
                   </a:txBody>
@@ -7576,7 +7614,7 @@
                   </a:txBody>
                   <a:tcPr/>
                 </a:tc>
-                <a:tc>
+                <a:tc rowSpan="3">
                   <a:txBody>
                     <a:bodyPr/>
                     <a:lstStyle/>
@@ -7584,7 +7622,11 @@
                       <a:pPr latinLnBrk="1"/>
                       <a:r>
                         <a:rPr lang="ko-KR" altLang="en-US" dirty="0" smtClean="0"/>
-                        <a:t>캐릭터 충돌 체크 구현</a:t>
+                        <a:t>캐릭터 움직임 구현과 그로</a:t>
+                      </a:r>
+                      <a:r>
+                        <a:rPr lang="ko-KR" altLang="en-US" baseline="0" dirty="0" smtClean="0"/>
+                        <a:t> 인한 반응 구현</a:t>
                       </a:r>
                       <a:endParaRPr lang="ko-KR" altLang="en-US" dirty="0"/>
                     </a:p>
@@ -7612,16 +7654,12 @@
                   </a:txBody>
                   <a:tcPr/>
                 </a:tc>
-                <a:tc>
+                <a:tc vMerge="1">
                   <a:txBody>
                     <a:bodyPr/>
                     <a:lstStyle/>
                     <a:p>
                       <a:pPr latinLnBrk="1"/>
-                      <a:r>
-                        <a:rPr lang="ko-KR" altLang="en-US" dirty="0" smtClean="0"/>
-                        <a:t>충돌을 통한 반응 구현</a:t>
-                      </a:r>
                       <a:endParaRPr lang="ko-KR" altLang="en-US" dirty="0"/>
                     </a:p>
                   </a:txBody>
@@ -7648,16 +7686,12 @@
                   </a:txBody>
                   <a:tcPr/>
                 </a:tc>
-                <a:tc>
+                <a:tc vMerge="1">
                   <a:txBody>
                     <a:bodyPr/>
                     <a:lstStyle/>
                     <a:p>
                       <a:pPr latinLnBrk="1"/>
-                      <a:r>
-                        <a:rPr lang="ko-KR" altLang="en-US" dirty="0" err="1" smtClean="0"/>
-                        <a:t>중간정검</a:t>
-                      </a:r>
                       <a:endParaRPr lang="ko-KR" altLang="en-US" dirty="0"/>
                     </a:p>
                   </a:txBody>
@@ -7684,7 +7718,7 @@
                   </a:txBody>
                   <a:tcPr/>
                 </a:tc>
-                <a:tc>
+                <a:tc rowSpan="2">
                   <a:txBody>
                     <a:bodyPr/>
                     <a:lstStyle/>
@@ -7693,6 +7727,14 @@
                       <a:r>
                         <a:rPr lang="ko-KR" altLang="en-US" dirty="0" smtClean="0"/>
                         <a:t>캐릭터들을 만나면서 쌓인 카운터들을 통한</a:t>
+                      </a:r>
+                      <a:endParaRPr lang="ko-KR" altLang="en-US" dirty="0"/>
+                    </a:p>
+                    <a:p>
+                      <a:pPr latinLnBrk="1"/>
+                      <a:r>
+                        <a:rPr lang="ko-KR" altLang="en-US" dirty="0" smtClean="0"/>
+                        <a:t>분기를 구현</a:t>
                       </a:r>
                       <a:endParaRPr lang="ko-KR" altLang="en-US" dirty="0"/>
                     </a:p>
@@ -7720,16 +7762,12 @@
                   </a:txBody>
                   <a:tcPr/>
                 </a:tc>
-                <a:tc>
+                <a:tc vMerge="1">
                   <a:txBody>
                     <a:bodyPr/>
                     <a:lstStyle/>
                     <a:p>
                       <a:pPr latinLnBrk="1"/>
-                      <a:r>
-                        <a:rPr lang="ko-KR" altLang="en-US" dirty="0" smtClean="0"/>
-                        <a:t>분기를 구현</a:t>
-                      </a:r>
                       <a:endParaRPr lang="ko-KR" altLang="en-US" dirty="0"/>
                     </a:p>
                   </a:txBody>
@@ -7764,15 +7802,11 @@
                       <a:pPr latinLnBrk="1"/>
                       <a:r>
                         <a:rPr lang="ko-KR" altLang="en-US" dirty="0" smtClean="0"/>
-                        <a:t>중간</a:t>
-                      </a:r>
-                      <a:r>
-                        <a:rPr lang="en-US" altLang="ko-KR" dirty="0" smtClean="0"/>
-                        <a:t>2</a:t>
+                        <a:t>중간 </a:t>
                       </a:r>
                       <a:r>
                         <a:rPr lang="ko-KR" altLang="en-US" dirty="0" smtClean="0"/>
-                        <a:t>차 점검</a:t>
+                        <a:t>점검</a:t>
                       </a:r>
                       <a:endParaRPr lang="ko-KR" altLang="en-US" dirty="0"/>
                     </a:p>
@@ -7989,14 +8023,14 @@
                 <a:gridCol w="6928129">
                   <a:extLst>
                     <a:ext uri="{9D8B030D-6E8A-4147-A177-3AD203B41FA5}">
-                      <a16:colId xmlns:a16="http://schemas.microsoft.com/office/drawing/2014/main" xmlns="" val="656871972"/>
+                      <a16:colId xmlns="" xmlns:a16="http://schemas.microsoft.com/office/drawing/2014/main" val="656871972"/>
                     </a:ext>
                   </a:extLst>
                 </a:gridCol>
                 <a:gridCol w="1028421">
                   <a:extLst>
                     <a:ext uri="{9D8B030D-6E8A-4147-A177-3AD203B41FA5}">
-                      <a16:colId xmlns:a16="http://schemas.microsoft.com/office/drawing/2014/main" xmlns="" val="2101277916"/>
+                      <a16:colId xmlns="" xmlns:a16="http://schemas.microsoft.com/office/drawing/2014/main" val="2101277916"/>
                     </a:ext>
                   </a:extLst>
                 </a:gridCol>
@@ -8072,7 +8106,7 @@
                 </a:tc>
                 <a:extLst>
                   <a:ext uri="{0D108BD9-81ED-4DB2-BD59-A6C34878D82A}">
-                    <a16:rowId xmlns:a16="http://schemas.microsoft.com/office/drawing/2014/main" xmlns="" val="587553252"/>
+                    <a16:rowId xmlns="" xmlns:a16="http://schemas.microsoft.com/office/drawing/2014/main" val="587553252"/>
                   </a:ext>
                 </a:extLst>
               </a:tr>
@@ -8170,7 +8204,7 @@
                 </a:tc>
                 <a:extLst>
                   <a:ext uri="{0D108BD9-81ED-4DB2-BD59-A6C34878D82A}">
-                    <a16:rowId xmlns:a16="http://schemas.microsoft.com/office/drawing/2014/main" xmlns="" val="1221791868"/>
+                    <a16:rowId xmlns="" xmlns:a16="http://schemas.microsoft.com/office/drawing/2014/main" val="1221791868"/>
                   </a:ext>
                 </a:extLst>
               </a:tr>
@@ -8263,7 +8297,7 @@
                 </a:tc>
                 <a:extLst>
                   <a:ext uri="{0D108BD9-81ED-4DB2-BD59-A6C34878D82A}">
-                    <a16:rowId xmlns:a16="http://schemas.microsoft.com/office/drawing/2014/main" xmlns="" val="1940980650"/>
+                    <a16:rowId xmlns="" xmlns:a16="http://schemas.microsoft.com/office/drawing/2014/main" val="1940980650"/>
                   </a:ext>
                 </a:extLst>
               </a:tr>
@@ -8360,7 +8394,7 @@
                 </a:tc>
                 <a:extLst>
                   <a:ext uri="{0D108BD9-81ED-4DB2-BD59-A6C34878D82A}">
-                    <a16:rowId xmlns:a16="http://schemas.microsoft.com/office/drawing/2014/main" xmlns="" val="2544194944"/>
+                    <a16:rowId xmlns="" xmlns:a16="http://schemas.microsoft.com/office/drawing/2014/main" val="2544194944"/>
                   </a:ext>
                 </a:extLst>
               </a:tr>
@@ -8449,7 +8483,7 @@
                 </a:tc>
                 <a:extLst>
                   <a:ext uri="{0D108BD9-81ED-4DB2-BD59-A6C34878D82A}">
-                    <a16:rowId xmlns:a16="http://schemas.microsoft.com/office/drawing/2014/main" xmlns="" val="826158006"/>
+                    <a16:rowId xmlns="" xmlns:a16="http://schemas.microsoft.com/office/drawing/2014/main" val="826158006"/>
                   </a:ext>
                 </a:extLst>
               </a:tr>
@@ -8538,7 +8572,7 @@
                 </a:tc>
                 <a:extLst>
                   <a:ext uri="{0D108BD9-81ED-4DB2-BD59-A6C34878D82A}">
-                    <a16:rowId xmlns:a16="http://schemas.microsoft.com/office/drawing/2014/main" xmlns="" val="1042367476"/>
+                    <a16:rowId xmlns="" xmlns:a16="http://schemas.microsoft.com/office/drawing/2014/main" val="1042367476"/>
                   </a:ext>
                 </a:extLst>
               </a:tr>
@@ -8617,7 +8651,7 @@
                 </a:tc>
                 <a:extLst>
                   <a:ext uri="{0D108BD9-81ED-4DB2-BD59-A6C34878D82A}">
-                    <a16:rowId xmlns:a16="http://schemas.microsoft.com/office/drawing/2014/main" xmlns="" val="2671434979"/>
+                    <a16:rowId xmlns="" xmlns:a16="http://schemas.microsoft.com/office/drawing/2014/main" val="2671434979"/>
                   </a:ext>
                 </a:extLst>
               </a:tr>
@@ -8800,7 +8834,7 @@
     </a:clrScheme>
     <a:fontScheme name="비행기 구름">
       <a:majorFont>
-        <a:latin typeface="Century Gothic" panose="020B0502020202020204"/>
+        <a:latin typeface="Century Gothic"/>
         <a:ea typeface=""/>
         <a:cs typeface=""/>
         <a:font script="Jpan" typeface="ＭＳ Ｐゴシック"/>
@@ -8835,7 +8869,7 @@
         <a:font script="Geor" typeface="Sylfaen"/>
       </a:majorFont>
       <a:minorFont>
-        <a:latin typeface="Century Gothic" panose="020B0502020202020204"/>
+        <a:latin typeface="Century Gothic"/>
         <a:ea typeface=""/>
         <a:cs typeface=""/>
         <a:font script="Jpan" typeface="ＭＳ Ｐゴシック"/>
@@ -9021,7 +9055,7 @@
   <a:extraClrSchemeLst/>
   <a:extLst>
     <a:ext uri="{05A4C25C-085E-4340-85A3-A5531E510DB2}">
-      <thm15:themeFamily xmlns:thm15="http://schemas.microsoft.com/office/thememl/2012/main" xmlns="" name="Vapor Trail" id="{4FDF2955-7D9C-493C-B9F9-C205151B46CD}" vid="{8F31A783-2159-4870-BC29-2BA7D038EA44}"/>
+      <thm15:themeFamily xmlns="" xmlns:thm15="http://schemas.microsoft.com/office/thememl/2012/main" name="Vapor Trail" id="{4FDF2955-7D9C-493C-B9F9-C205151B46CD}" vid="{8F31A783-2159-4870-BC29-2BA7D038EA44}"/>
     </a:ext>
   </a:extLst>
 </a:theme>

--- a/piece_or_peace.pptx
+++ b/piece_or_peace.pptx
@@ -12,8 +12,9 @@
     <p:sldId id="261" r:id="rId6"/>
     <p:sldId id="260" r:id="rId7"/>
     <p:sldId id="262" r:id="rId8"/>
-    <p:sldId id="264" r:id="rId9"/>
-    <p:sldId id="263" r:id="rId10"/>
+    <p:sldId id="265" r:id="rId9"/>
+    <p:sldId id="264" r:id="rId10"/>
+    <p:sldId id="263" r:id="rId11"/>
   </p:sldIdLst>
   <p:sldSz cx="9144000" cy="6858000" type="screen4x3"/>
   <p:notesSz cx="6858000" cy="9144000"/>
@@ -114,7 +115,7 @@
   </p:defaultTextStyle>
   <p:extLst>
     <p:ext uri="{EFAFB233-063F-42B5-8137-9DF3F51BA10A}">
-      <p15:sldGuideLst xmlns="" xmlns:p15="http://schemas.microsoft.com/office/powerpoint/2012/main">
+      <p15:sldGuideLst xmlns:p15="http://schemas.microsoft.com/office/powerpoint/2012/main" xmlns="">
         <p15:guide id="1" orient="horz" pos="2160">
           <p15:clr>
             <a:srgbClr val="A4A3A4"/>
@@ -301,7 +302,7 @@
           <a:p>
             <a:fld id="{11A4C650-028D-4D2B-9466-E59C8ADF7F14}" type="datetimeFigureOut">
               <a:rPr lang="ko-KR" altLang="en-US" smtClean="0"/>
-              <a:t>2016-10-02</a:t>
+              <a:t>2016-10-12</a:t>
             </a:fld>
             <a:endParaRPr lang="ko-KR" altLang="en-US"/>
           </a:p>
@@ -568,7 +569,7 @@
           <a:p>
             <a:fld id="{11A4C650-028D-4D2B-9466-E59C8ADF7F14}" type="datetimeFigureOut">
               <a:rPr lang="ko-KR" altLang="en-US" smtClean="0"/>
-              <a:t>2016-10-02</a:t>
+              <a:t>2016-10-12</a:t>
             </a:fld>
             <a:endParaRPr lang="ko-KR" altLang="en-US"/>
           </a:p>
@@ -799,7 +800,7 @@
           <a:p>
             <a:fld id="{11A4C650-028D-4D2B-9466-E59C8ADF7F14}" type="datetimeFigureOut">
               <a:rPr lang="ko-KR" altLang="en-US" smtClean="0"/>
-              <a:t>2016-10-02</a:t>
+              <a:t>2016-10-12</a:t>
             </a:fld>
             <a:endParaRPr lang="ko-KR" altLang="en-US"/>
           </a:p>
@@ -1109,7 +1110,7 @@
           <a:p>
             <a:fld id="{11A4C650-028D-4D2B-9466-E59C8ADF7F14}" type="datetimeFigureOut">
               <a:rPr lang="ko-KR" altLang="en-US" smtClean="0"/>
-              <a:t>2016-10-02</a:t>
+              <a:t>2016-10-12</a:t>
             </a:fld>
             <a:endParaRPr lang="ko-KR" altLang="en-US"/>
           </a:p>
@@ -1582,7 +1583,7 @@
           <a:p>
             <a:fld id="{11A4C650-028D-4D2B-9466-E59C8ADF7F14}" type="datetimeFigureOut">
               <a:rPr lang="ko-KR" altLang="en-US" smtClean="0"/>
-              <a:t>2016-10-02</a:t>
+              <a:t>2016-10-12</a:t>
             </a:fld>
             <a:endParaRPr lang="ko-KR" altLang="en-US"/>
           </a:p>
@@ -2129,7 +2130,7 @@
           <a:p>
             <a:fld id="{11A4C650-028D-4D2B-9466-E59C8ADF7F14}" type="datetimeFigureOut">
               <a:rPr lang="ko-KR" altLang="en-US" smtClean="0"/>
-              <a:t>2016-10-02</a:t>
+              <a:t>2016-10-12</a:t>
             </a:fld>
             <a:endParaRPr lang="ko-KR" altLang="en-US"/>
           </a:p>
@@ -2903,7 +2904,7 @@
           <a:p>
             <a:fld id="{11A4C650-028D-4D2B-9466-E59C8ADF7F14}" type="datetimeFigureOut">
               <a:rPr lang="ko-KR" altLang="en-US" smtClean="0"/>
-              <a:t>2016-10-02</a:t>
+              <a:t>2016-10-12</a:t>
             </a:fld>
             <a:endParaRPr lang="ko-KR" altLang="en-US"/>
           </a:p>
@@ -3078,7 +3079,7 @@
           <a:p>
             <a:fld id="{11A4C650-028D-4D2B-9466-E59C8ADF7F14}" type="datetimeFigureOut">
               <a:rPr lang="ko-KR" altLang="en-US" smtClean="0"/>
-              <a:t>2016-10-02</a:t>
+              <a:t>2016-10-12</a:t>
             </a:fld>
             <a:endParaRPr lang="ko-KR" altLang="en-US"/>
           </a:p>
@@ -3301,7 +3302,7 @@
           <a:p>
             <a:fld id="{11A4C650-028D-4D2B-9466-E59C8ADF7F14}" type="datetimeFigureOut">
               <a:rPr lang="ko-KR" altLang="en-US" smtClean="0"/>
-              <a:t>2016-10-02</a:t>
+              <a:t>2016-10-12</a:t>
             </a:fld>
             <a:endParaRPr lang="ko-KR" altLang="en-US"/>
           </a:p>
@@ -3481,7 +3482,7 @@
           <a:p>
             <a:fld id="{11A4C650-028D-4D2B-9466-E59C8ADF7F14}" type="datetimeFigureOut">
               <a:rPr lang="ko-KR" altLang="en-US" smtClean="0"/>
-              <a:t>2016-10-02</a:t>
+              <a:t>2016-10-12</a:t>
             </a:fld>
             <a:endParaRPr lang="ko-KR" altLang="en-US"/>
           </a:p>
@@ -3770,7 +3771,7 @@
           <a:p>
             <a:fld id="{11A4C650-028D-4D2B-9466-E59C8ADF7F14}" type="datetimeFigureOut">
               <a:rPr lang="ko-KR" altLang="en-US" smtClean="0"/>
-              <a:t>2016-10-02</a:t>
+              <a:t>2016-10-12</a:t>
             </a:fld>
             <a:endParaRPr lang="ko-KR" altLang="en-US"/>
           </a:p>
@@ -4012,7 +4013,7 @@
           <a:p>
             <a:fld id="{11A4C650-028D-4D2B-9466-E59C8ADF7F14}" type="datetimeFigureOut">
               <a:rPr lang="ko-KR" altLang="en-US" smtClean="0"/>
-              <a:t>2016-10-02</a:t>
+              <a:t>2016-10-12</a:t>
             </a:fld>
             <a:endParaRPr lang="ko-KR" altLang="en-US"/>
           </a:p>
@@ -4391,7 +4392,7 @@
           <a:p>
             <a:fld id="{11A4C650-028D-4D2B-9466-E59C8ADF7F14}" type="datetimeFigureOut">
               <a:rPr lang="ko-KR" altLang="en-US" smtClean="0"/>
-              <a:t>2016-10-02</a:t>
+              <a:t>2016-10-12</a:t>
             </a:fld>
             <a:endParaRPr lang="ko-KR" altLang="en-US"/>
           </a:p>
@@ -4509,7 +4510,7 @@
           <a:p>
             <a:fld id="{11A4C650-028D-4D2B-9466-E59C8ADF7F14}" type="datetimeFigureOut">
               <a:rPr lang="ko-KR" altLang="en-US" smtClean="0"/>
-              <a:t>2016-10-02</a:t>
+              <a:t>2016-10-12</a:t>
             </a:fld>
             <a:endParaRPr lang="ko-KR" altLang="en-US"/>
           </a:p>
@@ -4604,7 +4605,7 @@
           <a:p>
             <a:fld id="{11A4C650-028D-4D2B-9466-E59C8ADF7F14}" type="datetimeFigureOut">
               <a:rPr lang="ko-KR" altLang="en-US" smtClean="0"/>
-              <a:t>2016-10-02</a:t>
+              <a:t>2016-10-12</a:t>
             </a:fld>
             <a:endParaRPr lang="ko-KR" altLang="en-US"/>
           </a:p>
@@ -4853,7 +4854,7 @@
           <a:p>
             <a:fld id="{11A4C650-028D-4D2B-9466-E59C8ADF7F14}" type="datetimeFigureOut">
               <a:rPr lang="ko-KR" altLang="en-US" smtClean="0"/>
-              <a:t>2016-10-02</a:t>
+              <a:t>2016-10-12</a:t>
             </a:fld>
             <a:endParaRPr lang="ko-KR" altLang="en-US"/>
           </a:p>
@@ -5110,7 +5111,7 @@
           <a:p>
             <a:fld id="{11A4C650-028D-4D2B-9466-E59C8ADF7F14}" type="datetimeFigureOut">
               <a:rPr lang="ko-KR" altLang="en-US" smtClean="0"/>
-              <a:t>2016-10-02</a:t>
+              <a:t>2016-10-12</a:t>
             </a:fld>
             <a:endParaRPr lang="ko-KR" altLang="en-US"/>
           </a:p>
@@ -5353,7 +5354,7 @@
           <a:p>
             <a:fld id="{11A4C650-028D-4D2B-9466-E59C8ADF7F14}" type="datetimeFigureOut">
               <a:rPr lang="ko-KR" altLang="en-US" smtClean="0"/>
-              <a:t>2016-10-02</a:t>
+              <a:t>2016-10-12</a:t>
             </a:fld>
             <a:endParaRPr lang="ko-KR" altLang="en-US"/>
           </a:p>
@@ -5897,6 +5898,125 @@
 </p:sld>
 </file>
 
+<file path=ppt/slides/slide10.xml><?xml version="1.0" encoding="utf-8"?>
+<p:sld xmlns:a="http://schemas.openxmlformats.org/drawingml/2006/main" xmlns:r="http://schemas.openxmlformats.org/officeDocument/2006/relationships" xmlns:p="http://schemas.openxmlformats.org/presentationml/2006/main">
+  <p:cSld>
+    <p:spTree>
+      <p:nvGrpSpPr>
+        <p:cNvPr id="1" name=""/>
+        <p:cNvGrpSpPr/>
+        <p:nvPr/>
+      </p:nvGrpSpPr>
+      <p:grpSpPr>
+        <a:xfrm>
+          <a:off x="0" y="0"/>
+          <a:ext cx="0" cy="0"/>
+          <a:chOff x="0" y="0"/>
+          <a:chExt cx="0" cy="0"/>
+        </a:xfrm>
+      </p:grpSpPr>
+      <p:sp>
+        <p:nvSpPr>
+          <p:cNvPr id="2" name="제목 1"/>
+          <p:cNvSpPr>
+            <a:spLocks noGrp="1"/>
+          </p:cNvSpPr>
+          <p:nvPr>
+            <p:ph type="title"/>
+          </p:nvPr>
+        </p:nvSpPr>
+        <p:spPr/>
+        <p:txBody>
+          <a:bodyPr/>
+          <a:lstStyle/>
+          <a:p>
+            <a:endParaRPr lang="ko-KR" altLang="en-US"/>
+          </a:p>
+        </p:txBody>
+      </p:sp>
+      <p:sp>
+        <p:nvSpPr>
+          <p:cNvPr id="3" name="내용 개체 틀 2"/>
+          <p:cNvSpPr>
+            <a:spLocks noGrp="1"/>
+          </p:cNvSpPr>
+          <p:nvPr>
+            <p:ph idx="1"/>
+          </p:nvPr>
+        </p:nvSpPr>
+        <p:spPr/>
+        <p:txBody>
+          <a:bodyPr/>
+          <a:lstStyle/>
+          <a:p>
+            <a:endParaRPr lang="ko-KR" altLang="en-US" dirty="0"/>
+          </a:p>
+        </p:txBody>
+      </p:sp>
+      <p:sp>
+        <p:nvSpPr>
+          <p:cNvPr id="4" name="직사각형 3"/>
+          <p:cNvSpPr/>
+          <p:nvPr/>
+        </p:nvSpPr>
+        <p:spPr>
+          <a:xfrm>
+            <a:off x="1547664" y="2348880"/>
+            <a:ext cx="4824536" cy="3096344"/>
+          </a:xfrm>
+          <a:prstGeom prst="rect">
+            <a:avLst/>
+          </a:prstGeom>
+        </p:spPr>
+        <p:style>
+          <a:lnRef idx="2">
+            <a:schemeClr val="accent1">
+              <a:shade val="50000"/>
+            </a:schemeClr>
+          </a:lnRef>
+          <a:fillRef idx="1">
+            <a:schemeClr val="accent1"/>
+          </a:fillRef>
+          <a:effectRef idx="0">
+            <a:schemeClr val="accent1"/>
+          </a:effectRef>
+          <a:fontRef idx="minor">
+            <a:schemeClr val="lt1"/>
+          </a:fontRef>
+        </p:style>
+        <p:txBody>
+          <a:bodyPr rtlCol="0" anchor="ctr"/>
+          <a:lstStyle/>
+          <a:p>
+            <a:pPr algn="ctr"/>
+            <a:r>
+              <a:rPr lang="ko-KR" altLang="en-US" dirty="0" smtClean="0"/>
+              <a:t>감사합니다</a:t>
+            </a:r>
+            <a:endParaRPr lang="ko-KR" altLang="en-US" dirty="0"/>
+          </a:p>
+        </p:txBody>
+      </p:sp>
+    </p:spTree>
+    <p:extLst>
+      <p:ext uri="{BB962C8B-B14F-4D97-AF65-F5344CB8AC3E}">
+        <p14:creationId xmlns:p14="http://schemas.microsoft.com/office/powerpoint/2010/main" val="2564779799"/>
+      </p:ext>
+    </p:extLst>
+  </p:cSld>
+  <p:clrMapOvr>
+    <a:masterClrMapping/>
+  </p:clrMapOvr>
+  <p:timing>
+    <p:tnLst>
+      <p:par>
+        <p:cTn id="1" dur="indefinite" restart="never" nodeType="tmRoot"/>
+      </p:par>
+    </p:tnLst>
+  </p:timing>
+</p:sld>
+</file>
+
 <file path=ppt/slides/slide2.xml><?xml version="1.0" encoding="utf-8"?>
 <p:sld xmlns:a="http://schemas.openxmlformats.org/drawingml/2006/main" xmlns:r="http://schemas.openxmlformats.org/officeDocument/2006/relationships" xmlns:p="http://schemas.openxmlformats.org/presentationml/2006/main">
   <p:cSld>
@@ -6806,21 +6926,21 @@
                 <a:gridCol w="2568286">
                   <a:extLst>
                     <a:ext uri="{9D8B030D-6E8A-4147-A177-3AD203B41FA5}">
-                      <a16:colId xmlns="" xmlns:a16="http://schemas.microsoft.com/office/drawing/2014/main" val="20000"/>
+                      <a16:colId xmlns:a16="http://schemas.microsoft.com/office/drawing/2014/main" xmlns="" val="20000"/>
                     </a:ext>
                   </a:extLst>
                 </a:gridCol>
                 <a:gridCol w="2568286">
                   <a:extLst>
                     <a:ext uri="{9D8B030D-6E8A-4147-A177-3AD203B41FA5}">
-                      <a16:colId xmlns="" xmlns:a16="http://schemas.microsoft.com/office/drawing/2014/main" val="20001"/>
+                      <a16:colId xmlns:a16="http://schemas.microsoft.com/office/drawing/2014/main" xmlns="" val="20001"/>
                     </a:ext>
                   </a:extLst>
                 </a:gridCol>
                 <a:gridCol w="2568286">
                   <a:extLst>
                     <a:ext uri="{9D8B030D-6E8A-4147-A177-3AD203B41FA5}">
-                      <a16:colId xmlns="" xmlns:a16="http://schemas.microsoft.com/office/drawing/2014/main" val="20002"/>
+                      <a16:colId xmlns:a16="http://schemas.microsoft.com/office/drawing/2014/main" xmlns="" val="20002"/>
                     </a:ext>
                   </a:extLst>
                 </a:gridCol>
@@ -6877,7 +6997,7 @@
                 </a:tc>
                 <a:extLst>
                   <a:ext uri="{0D108BD9-81ED-4DB2-BD59-A6C34878D82A}">
-                    <a16:rowId xmlns="" xmlns:a16="http://schemas.microsoft.com/office/drawing/2014/main" val="10000"/>
+                    <a16:rowId xmlns:a16="http://schemas.microsoft.com/office/drawing/2014/main" xmlns="" val="10000"/>
                   </a:ext>
                 </a:extLst>
               </a:tr>
@@ -6961,7 +7081,7 @@
                 </a:tc>
                 <a:extLst>
                   <a:ext uri="{0D108BD9-81ED-4DB2-BD59-A6C34878D82A}">
-                    <a16:rowId xmlns="" xmlns:a16="http://schemas.microsoft.com/office/drawing/2014/main" val="10001"/>
+                    <a16:rowId xmlns:a16="http://schemas.microsoft.com/office/drawing/2014/main" xmlns="" val="10001"/>
                   </a:ext>
                 </a:extLst>
               </a:tr>
@@ -7065,7 +7185,7 @@
                 </a:tc>
                 <a:extLst>
                   <a:ext uri="{0D108BD9-81ED-4DB2-BD59-A6C34878D82A}">
-                    <a16:rowId xmlns="" xmlns:a16="http://schemas.microsoft.com/office/drawing/2014/main" val="10002"/>
+                    <a16:rowId xmlns:a16="http://schemas.microsoft.com/office/drawing/2014/main" xmlns="" val="10002"/>
                   </a:ext>
                 </a:extLst>
               </a:tr>
@@ -7153,7 +7273,7 @@
                 </a:tc>
                 <a:extLst>
                   <a:ext uri="{0D108BD9-81ED-4DB2-BD59-A6C34878D82A}">
-                    <a16:rowId xmlns="" xmlns:a16="http://schemas.microsoft.com/office/drawing/2014/main" val="10003"/>
+                    <a16:rowId xmlns:a16="http://schemas.microsoft.com/office/drawing/2014/main" xmlns="" val="10003"/>
                   </a:ext>
                 </a:extLst>
               </a:tr>
@@ -7213,7 +7333,7 @@
                 </a:tc>
                 <a:extLst>
                   <a:ext uri="{0D108BD9-81ED-4DB2-BD59-A6C34878D82A}">
-                    <a16:rowId xmlns="" xmlns:a16="http://schemas.microsoft.com/office/drawing/2014/main" val="10004"/>
+                    <a16:rowId xmlns:a16="http://schemas.microsoft.com/office/drawing/2014/main" xmlns="" val="10004"/>
                   </a:ext>
                 </a:extLst>
               </a:tr>
@@ -7321,7 +7441,7 @@
                 </a:tc>
                 <a:extLst>
                   <a:ext uri="{0D108BD9-81ED-4DB2-BD59-A6C34878D82A}">
-                    <a16:rowId xmlns="" xmlns:a16="http://schemas.microsoft.com/office/drawing/2014/main" val="10005"/>
+                    <a16:rowId xmlns:a16="http://schemas.microsoft.com/office/drawing/2014/main" xmlns="" val="10005"/>
                   </a:ext>
                 </a:extLst>
               </a:tr>
@@ -7471,7 +7591,7 @@
             <p:ph idx="1"/>
             <p:extLst>
               <p:ext uri="{D42A27DB-BD31-4B8C-83A1-F6EECF244321}">
-                <p14:modId xmlns:p14="http://schemas.microsoft.com/office/powerpoint/2010/main" val="198189734"/>
+                <p14:modId xmlns:p14="http://schemas.microsoft.com/office/powerpoint/2010/main" val="1488300105"/>
               </p:ext>
             </p:extLst>
           </p:nvPr>
@@ -7802,11 +7922,7 @@
                       <a:pPr latinLnBrk="1"/>
                       <a:r>
                         <a:rPr lang="ko-KR" altLang="en-US" dirty="0" smtClean="0"/>
-                        <a:t>중간 </a:t>
-                      </a:r>
-                      <a:r>
-                        <a:rPr lang="ko-KR" altLang="en-US" dirty="0" smtClean="0"/>
-                        <a:t>점검</a:t>
+                        <a:t>중간 점검</a:t>
                       </a:r>
                       <a:endParaRPr lang="ko-KR" altLang="en-US" dirty="0"/>
                     </a:p>
@@ -7988,6 +8104,545 @@
           <a:p>
             <a:r>
               <a:rPr lang="ko-KR" altLang="en-US" dirty="0" smtClean="0"/>
+              <a:t>현</a:t>
+            </a:r>
+            <a:r>
+              <a:rPr lang="ko-KR" altLang="en-US" dirty="0"/>
+              <a:t>황</a:t>
+            </a:r>
+          </a:p>
+        </p:txBody>
+      </p:sp>
+      <p:sp>
+        <p:nvSpPr>
+          <p:cNvPr id="3" name="내용 개체 틀 2"/>
+          <p:cNvSpPr>
+            <a:spLocks noGrp="1"/>
+          </p:cNvSpPr>
+          <p:nvPr>
+            <p:ph idx="1"/>
+          </p:nvPr>
+        </p:nvSpPr>
+        <p:spPr/>
+        <p:txBody>
+          <a:bodyPr/>
+          <a:lstStyle/>
+          <a:p>
+            <a:endParaRPr lang="ko-KR" altLang="en-US" dirty="0"/>
+          </a:p>
+        </p:txBody>
+      </p:sp>
+      <p:graphicFrame>
+        <p:nvGraphicFramePr>
+          <p:cNvPr id="4" name="내용 개체 틀 10"/>
+          <p:cNvGraphicFramePr>
+            <a:graphicFrameLocks/>
+          </p:cNvGraphicFramePr>
+          <p:nvPr>
+            <p:extLst>
+              <p:ext uri="{D42A27DB-BD31-4B8C-83A1-F6EECF244321}">
+                <p14:modId xmlns:p14="http://schemas.microsoft.com/office/powerpoint/2010/main" val="2555741954"/>
+              </p:ext>
+            </p:extLst>
+          </p:nvPr>
+        </p:nvGraphicFramePr>
+        <p:xfrm>
+          <a:off x="611560" y="1844824"/>
+          <a:ext cx="7956550" cy="4450080"/>
+        </p:xfrm>
+        <a:graphic>
+          <a:graphicData uri="http://schemas.openxmlformats.org/drawingml/2006/table">
+            <a:tbl>
+              <a:tblPr firstRow="1" bandRow="1">
+                <a:tableStyleId>{5C22544A-7EE6-4342-B048-85BDC9FD1C3A}</a:tableStyleId>
+              </a:tblPr>
+              <a:tblGrid>
+                <a:gridCol w="936104"/>
+                <a:gridCol w="7020446"/>
+              </a:tblGrid>
+              <a:tr h="370840">
+                <a:tc>
+                  <a:txBody>
+                    <a:bodyPr/>
+                    <a:lstStyle/>
+                    <a:p>
+                      <a:pPr latinLnBrk="1"/>
+                      <a:r>
+                        <a:rPr lang="ko-KR" altLang="en-US" dirty="0" smtClean="0"/>
+                        <a:t>일정</a:t>
+                      </a:r>
+                      <a:endParaRPr lang="ko-KR" altLang="en-US" dirty="0"/>
+                    </a:p>
+                  </a:txBody>
+                  <a:tcPr/>
+                </a:tc>
+                <a:tc>
+                  <a:txBody>
+                    <a:bodyPr/>
+                    <a:lstStyle/>
+                    <a:p>
+                      <a:pPr latinLnBrk="1"/>
+                      <a:r>
+                        <a:rPr lang="ko-KR" altLang="en-US" dirty="0" smtClean="0"/>
+                        <a:t>계획</a:t>
+                      </a:r>
+                      <a:endParaRPr lang="ko-KR" altLang="en-US" dirty="0"/>
+                    </a:p>
+                  </a:txBody>
+                  <a:tcPr/>
+                </a:tc>
+              </a:tr>
+              <a:tr h="370840">
+                <a:tc>
+                  <a:txBody>
+                    <a:bodyPr/>
+                    <a:lstStyle/>
+                    <a:p>
+                      <a:pPr latinLnBrk="1"/>
+                      <a:r>
+                        <a:rPr lang="en-US" altLang="ko-KR" dirty="0" smtClean="0"/>
+                        <a:t>1</a:t>
+                      </a:r>
+                      <a:r>
+                        <a:rPr lang="ko-KR" altLang="en-US" dirty="0" smtClean="0"/>
+                        <a:t>주차</a:t>
+                      </a:r>
+                      <a:endParaRPr lang="ko-KR" altLang="en-US" dirty="0"/>
+                    </a:p>
+                  </a:txBody>
+                  <a:tcPr/>
+                </a:tc>
+                <a:tc rowSpan="2">
+                  <a:txBody>
+                    <a:bodyPr/>
+                    <a:lstStyle/>
+                    <a:p>
+                      <a:pPr latinLnBrk="1"/>
+                      <a:r>
+                        <a:rPr lang="ko-KR" altLang="en-US" smtClean="0"/>
+                        <a:t>몇몇 이미지는 </a:t>
+                      </a:r>
+                      <a:endParaRPr lang="ko-KR" altLang="en-US" dirty="0"/>
+                    </a:p>
+                  </a:txBody>
+                  <a:tcPr/>
+                </a:tc>
+              </a:tr>
+              <a:tr h="370840">
+                <a:tc>
+                  <a:txBody>
+                    <a:bodyPr/>
+                    <a:lstStyle/>
+                    <a:p>
+                      <a:pPr latinLnBrk="1"/>
+                      <a:r>
+                        <a:rPr lang="en-US" altLang="ko-KR" dirty="0" smtClean="0"/>
+                        <a:t>2</a:t>
+                      </a:r>
+                      <a:r>
+                        <a:rPr lang="ko-KR" altLang="en-US" dirty="0" smtClean="0"/>
+                        <a:t>주차 </a:t>
+                      </a:r>
+                      <a:endParaRPr lang="ko-KR" altLang="en-US" dirty="0"/>
+                    </a:p>
+                  </a:txBody>
+                  <a:tcPr/>
+                </a:tc>
+                <a:tc vMerge="1">
+                  <a:txBody>
+                    <a:bodyPr/>
+                    <a:lstStyle/>
+                    <a:p>
+                      <a:pPr latinLnBrk="1"/>
+                      <a:endParaRPr lang="ko-KR" altLang="en-US" dirty="0"/>
+                    </a:p>
+                  </a:txBody>
+                  <a:tcPr/>
+                </a:tc>
+              </a:tr>
+              <a:tr h="370840">
+                <a:tc>
+                  <a:txBody>
+                    <a:bodyPr/>
+                    <a:lstStyle/>
+                    <a:p>
+                      <a:pPr latinLnBrk="1"/>
+                      <a:r>
+                        <a:rPr lang="en-US" altLang="ko-KR" dirty="0" smtClean="0"/>
+                        <a:t>3</a:t>
+                      </a:r>
+                      <a:r>
+                        <a:rPr lang="ko-KR" altLang="en-US" dirty="0" smtClean="0"/>
+                        <a:t>주차 </a:t>
+                      </a:r>
+                      <a:endParaRPr lang="ko-KR" altLang="en-US" dirty="0"/>
+                    </a:p>
+                  </a:txBody>
+                  <a:tcPr/>
+                </a:tc>
+                <a:tc rowSpan="3">
+                  <a:txBody>
+                    <a:bodyPr/>
+                    <a:lstStyle/>
+                    <a:p>
+                      <a:pPr latinLnBrk="1"/>
+                      <a:r>
+                        <a:rPr lang="ko-KR" altLang="en-US" dirty="0" smtClean="0"/>
+                        <a:t>캐릭터 움직임 구현과 그로</a:t>
+                      </a:r>
+                      <a:r>
+                        <a:rPr lang="ko-KR" altLang="en-US" baseline="0" dirty="0" smtClean="0"/>
+                        <a:t> 인한 반응 구현</a:t>
+                      </a:r>
+                      <a:endParaRPr lang="ko-KR" altLang="en-US" dirty="0"/>
+                    </a:p>
+                  </a:txBody>
+                  <a:tcPr/>
+                </a:tc>
+              </a:tr>
+              <a:tr h="370840">
+                <a:tc>
+                  <a:txBody>
+                    <a:bodyPr/>
+                    <a:lstStyle/>
+                    <a:p>
+                      <a:pPr latinLnBrk="1"/>
+                      <a:r>
+                        <a:rPr lang="en-US" altLang="ko-KR" dirty="0" smtClean="0"/>
+                        <a:t>4</a:t>
+                      </a:r>
+                      <a:r>
+                        <a:rPr lang="ko-KR" altLang="en-US" dirty="0" smtClean="0"/>
+                        <a:t>주차</a:t>
+                      </a:r>
+                      <a:endParaRPr lang="ko-KR" altLang="en-US" dirty="0"/>
+                    </a:p>
+                  </a:txBody>
+                  <a:tcPr/>
+                </a:tc>
+                <a:tc vMerge="1">
+                  <a:txBody>
+                    <a:bodyPr/>
+                    <a:lstStyle/>
+                    <a:p>
+                      <a:pPr latinLnBrk="1"/>
+                      <a:endParaRPr lang="ko-KR" altLang="en-US" dirty="0"/>
+                    </a:p>
+                  </a:txBody>
+                  <a:tcPr/>
+                </a:tc>
+              </a:tr>
+              <a:tr h="370840">
+                <a:tc>
+                  <a:txBody>
+                    <a:bodyPr/>
+                    <a:lstStyle/>
+                    <a:p>
+                      <a:pPr latinLnBrk="1"/>
+                      <a:r>
+                        <a:rPr lang="en-US" altLang="ko-KR" dirty="0" smtClean="0"/>
+                        <a:t>5</a:t>
+                      </a:r>
+                      <a:r>
+                        <a:rPr lang="ko-KR" altLang="en-US" dirty="0" smtClean="0"/>
+                        <a:t>주차</a:t>
+                      </a:r>
+                      <a:endParaRPr lang="ko-KR" altLang="en-US" dirty="0"/>
+                    </a:p>
+                  </a:txBody>
+                  <a:tcPr/>
+                </a:tc>
+                <a:tc vMerge="1">
+                  <a:txBody>
+                    <a:bodyPr/>
+                    <a:lstStyle/>
+                    <a:p>
+                      <a:pPr latinLnBrk="1"/>
+                      <a:endParaRPr lang="ko-KR" altLang="en-US" dirty="0"/>
+                    </a:p>
+                  </a:txBody>
+                  <a:tcPr/>
+                </a:tc>
+              </a:tr>
+              <a:tr h="370840">
+                <a:tc>
+                  <a:txBody>
+                    <a:bodyPr/>
+                    <a:lstStyle/>
+                    <a:p>
+                      <a:pPr latinLnBrk="1"/>
+                      <a:r>
+                        <a:rPr lang="en-US" altLang="ko-KR" dirty="0" smtClean="0"/>
+                        <a:t>6</a:t>
+                      </a:r>
+                      <a:r>
+                        <a:rPr lang="ko-KR" altLang="en-US" dirty="0" smtClean="0"/>
+                        <a:t>주차</a:t>
+                      </a:r>
+                      <a:endParaRPr lang="ko-KR" altLang="en-US" dirty="0"/>
+                    </a:p>
+                  </a:txBody>
+                  <a:tcPr/>
+                </a:tc>
+                <a:tc rowSpan="2">
+                  <a:txBody>
+                    <a:bodyPr/>
+                    <a:lstStyle/>
+                    <a:p>
+                      <a:pPr latinLnBrk="1"/>
+                      <a:r>
+                        <a:rPr lang="ko-KR" altLang="en-US" dirty="0" smtClean="0"/>
+                        <a:t>캐릭터들을 만나면서 쌓인 카운터들을 통한</a:t>
+                      </a:r>
+                      <a:endParaRPr lang="ko-KR" altLang="en-US" dirty="0"/>
+                    </a:p>
+                    <a:p>
+                      <a:pPr latinLnBrk="1"/>
+                      <a:r>
+                        <a:rPr lang="ko-KR" altLang="en-US" dirty="0" smtClean="0"/>
+                        <a:t>분기를 구현</a:t>
+                      </a:r>
+                      <a:endParaRPr lang="ko-KR" altLang="en-US" dirty="0"/>
+                    </a:p>
+                  </a:txBody>
+                  <a:tcPr/>
+                </a:tc>
+              </a:tr>
+              <a:tr h="370840">
+                <a:tc>
+                  <a:txBody>
+                    <a:bodyPr/>
+                    <a:lstStyle/>
+                    <a:p>
+                      <a:pPr latinLnBrk="1"/>
+                      <a:r>
+                        <a:rPr lang="en-US" altLang="ko-KR" dirty="0" smtClean="0"/>
+                        <a:t>7</a:t>
+                      </a:r>
+                      <a:r>
+                        <a:rPr lang="ko-KR" altLang="en-US" dirty="0" smtClean="0"/>
+                        <a:t>주차</a:t>
+                      </a:r>
+                      <a:endParaRPr lang="ko-KR" altLang="en-US" dirty="0"/>
+                    </a:p>
+                  </a:txBody>
+                  <a:tcPr/>
+                </a:tc>
+                <a:tc vMerge="1">
+                  <a:txBody>
+                    <a:bodyPr/>
+                    <a:lstStyle/>
+                    <a:p>
+                      <a:pPr latinLnBrk="1"/>
+                      <a:endParaRPr lang="ko-KR" altLang="en-US" dirty="0"/>
+                    </a:p>
+                  </a:txBody>
+                  <a:tcPr/>
+                </a:tc>
+              </a:tr>
+              <a:tr h="370840">
+                <a:tc>
+                  <a:txBody>
+                    <a:bodyPr/>
+                    <a:lstStyle/>
+                    <a:p>
+                      <a:pPr latinLnBrk="1"/>
+                      <a:r>
+                        <a:rPr lang="en-US" altLang="ko-KR" dirty="0" smtClean="0"/>
+                        <a:t>8</a:t>
+                      </a:r>
+                      <a:r>
+                        <a:rPr lang="ko-KR" altLang="en-US" dirty="0" smtClean="0"/>
+                        <a:t>주차</a:t>
+                      </a:r>
+                      <a:endParaRPr lang="ko-KR" altLang="en-US" dirty="0"/>
+                    </a:p>
+                  </a:txBody>
+                  <a:tcPr/>
+                </a:tc>
+                <a:tc>
+                  <a:txBody>
+                    <a:bodyPr/>
+                    <a:lstStyle/>
+                    <a:p>
+                      <a:pPr latinLnBrk="1"/>
+                      <a:r>
+                        <a:rPr lang="ko-KR" altLang="en-US" dirty="0" smtClean="0"/>
+                        <a:t>중간 점검</a:t>
+                      </a:r>
+                      <a:endParaRPr lang="ko-KR" altLang="en-US" dirty="0"/>
+                    </a:p>
+                  </a:txBody>
+                  <a:tcPr/>
+                </a:tc>
+              </a:tr>
+              <a:tr h="370840">
+                <a:tc>
+                  <a:txBody>
+                    <a:bodyPr/>
+                    <a:lstStyle/>
+                    <a:p>
+                      <a:pPr latinLnBrk="1"/>
+                      <a:r>
+                        <a:rPr lang="en-US" altLang="ko-KR" dirty="0" smtClean="0"/>
+                        <a:t>9</a:t>
+                      </a:r>
+                      <a:r>
+                        <a:rPr lang="ko-KR" altLang="en-US" dirty="0" smtClean="0"/>
+                        <a:t>주차</a:t>
+                      </a:r>
+                      <a:endParaRPr lang="ko-KR" altLang="en-US" dirty="0"/>
+                    </a:p>
+                  </a:txBody>
+                  <a:tcPr/>
+                </a:tc>
+                <a:tc>
+                  <a:txBody>
+                    <a:bodyPr/>
+                    <a:lstStyle/>
+                    <a:p>
+                      <a:pPr latinLnBrk="1"/>
+                      <a:r>
+                        <a:rPr lang="ko-KR" altLang="en-US" dirty="0" smtClean="0"/>
+                        <a:t>세세하게 움직임 추가</a:t>
+                      </a:r>
+                      <a:endParaRPr lang="ko-KR" altLang="en-US" dirty="0"/>
+                    </a:p>
+                  </a:txBody>
+                  <a:tcPr/>
+                </a:tc>
+              </a:tr>
+              <a:tr h="370840">
+                <a:tc>
+                  <a:txBody>
+                    <a:bodyPr/>
+                    <a:lstStyle/>
+                    <a:p>
+                      <a:pPr latinLnBrk="1"/>
+                      <a:r>
+                        <a:rPr lang="en-US" altLang="ko-KR" dirty="0" smtClean="0"/>
+                        <a:t>10</a:t>
+                      </a:r>
+                      <a:r>
+                        <a:rPr lang="ko-KR" altLang="en-US" dirty="0" smtClean="0"/>
+                        <a:t>주차</a:t>
+                      </a:r>
+                      <a:endParaRPr lang="ko-KR" altLang="en-US" dirty="0"/>
+                    </a:p>
+                  </a:txBody>
+                  <a:tcPr/>
+                </a:tc>
+                <a:tc>
+                  <a:txBody>
+                    <a:bodyPr/>
+                    <a:lstStyle/>
+                    <a:p>
+                      <a:pPr latinLnBrk="1"/>
+                      <a:r>
+                        <a:rPr lang="ko-KR" altLang="en-US" dirty="0" smtClean="0"/>
+                        <a:t>가능하다면 </a:t>
+                      </a:r>
+                      <a:r>
+                        <a:rPr lang="ko-KR" altLang="en-US" dirty="0" err="1" smtClean="0"/>
+                        <a:t>히든루트를</a:t>
+                      </a:r>
+                      <a:r>
+                        <a:rPr lang="ko-KR" altLang="en-US" dirty="0" smtClean="0"/>
+                        <a:t> 만들어볼 것</a:t>
+                      </a:r>
+                      <a:endParaRPr lang="ko-KR" altLang="en-US" dirty="0"/>
+                    </a:p>
+                  </a:txBody>
+                  <a:tcPr/>
+                </a:tc>
+              </a:tr>
+              <a:tr h="370840">
+                <a:tc>
+                  <a:txBody>
+                    <a:bodyPr/>
+                    <a:lstStyle/>
+                    <a:p>
+                      <a:pPr latinLnBrk="1"/>
+                      <a:r>
+                        <a:rPr lang="en-US" altLang="ko-KR" dirty="0" smtClean="0"/>
+                        <a:t>11</a:t>
+                      </a:r>
+                      <a:r>
+                        <a:rPr lang="ko-KR" altLang="en-US" dirty="0" smtClean="0"/>
+                        <a:t>주차</a:t>
+                      </a:r>
+                      <a:endParaRPr lang="ko-KR" altLang="en-US" dirty="0"/>
+                    </a:p>
+                  </a:txBody>
+                  <a:tcPr/>
+                </a:tc>
+                <a:tc>
+                  <a:txBody>
+                    <a:bodyPr/>
+                    <a:lstStyle/>
+                    <a:p>
+                      <a:pPr latinLnBrk="1"/>
+                      <a:r>
+                        <a:rPr lang="ko-KR" altLang="en-US" dirty="0" smtClean="0"/>
+                        <a:t>최종점검</a:t>
+                      </a:r>
+                      <a:endParaRPr lang="ko-KR" altLang="en-US" dirty="0"/>
+                    </a:p>
+                  </a:txBody>
+                  <a:tcPr/>
+                </a:tc>
+              </a:tr>
+            </a:tbl>
+          </a:graphicData>
+        </a:graphic>
+      </p:graphicFrame>
+    </p:spTree>
+    <p:extLst>
+      <p:ext uri="{BB962C8B-B14F-4D97-AF65-F5344CB8AC3E}">
+        <p14:creationId xmlns:p14="http://schemas.microsoft.com/office/powerpoint/2010/main" val="3007991001"/>
+      </p:ext>
+    </p:extLst>
+  </p:cSld>
+  <p:clrMapOvr>
+    <a:masterClrMapping/>
+  </p:clrMapOvr>
+</p:sld>
+</file>
+
+<file path=ppt/slides/slide9.xml><?xml version="1.0" encoding="utf-8"?>
+<p:sld xmlns:a="http://schemas.openxmlformats.org/drawingml/2006/main" xmlns:r="http://schemas.openxmlformats.org/officeDocument/2006/relationships" xmlns:p="http://schemas.openxmlformats.org/presentationml/2006/main">
+  <p:cSld>
+    <p:spTree>
+      <p:nvGrpSpPr>
+        <p:cNvPr id="1" name=""/>
+        <p:cNvGrpSpPr/>
+        <p:nvPr/>
+      </p:nvGrpSpPr>
+      <p:grpSpPr>
+        <a:xfrm>
+          <a:off x="0" y="0"/>
+          <a:ext cx="0" cy="0"/>
+          <a:chOff x="0" y="0"/>
+          <a:chExt cx="0" cy="0"/>
+        </a:xfrm>
+      </p:grpSpPr>
+      <p:sp>
+        <p:nvSpPr>
+          <p:cNvPr id="2" name="제목 1"/>
+          <p:cNvSpPr>
+            <a:spLocks noGrp="1"/>
+          </p:cNvSpPr>
+          <p:nvPr>
+            <p:ph type="title"/>
+          </p:nvPr>
+        </p:nvSpPr>
+        <p:spPr/>
+        <p:txBody>
+          <a:bodyPr/>
+          <a:lstStyle/>
+          <a:p>
+            <a:r>
+              <a:rPr lang="ko-KR" altLang="en-US" dirty="0" smtClean="0"/>
               <a:t>자체 평가</a:t>
             </a:r>
             <a:endParaRPr lang="ko-KR" altLang="en-US" dirty="0"/>
@@ -8023,14 +8678,14 @@
                 <a:gridCol w="6928129">
                   <a:extLst>
                     <a:ext uri="{9D8B030D-6E8A-4147-A177-3AD203B41FA5}">
-                      <a16:colId xmlns="" xmlns:a16="http://schemas.microsoft.com/office/drawing/2014/main" val="656871972"/>
+                      <a16:colId xmlns:a16="http://schemas.microsoft.com/office/drawing/2014/main" xmlns="" val="656871972"/>
                     </a:ext>
                   </a:extLst>
                 </a:gridCol>
                 <a:gridCol w="1028421">
                   <a:extLst>
                     <a:ext uri="{9D8B030D-6E8A-4147-A177-3AD203B41FA5}">
-                      <a16:colId xmlns="" xmlns:a16="http://schemas.microsoft.com/office/drawing/2014/main" val="2101277916"/>
+                      <a16:colId xmlns:a16="http://schemas.microsoft.com/office/drawing/2014/main" xmlns="" val="2101277916"/>
                     </a:ext>
                   </a:extLst>
                 </a:gridCol>
@@ -8106,7 +8761,7 @@
                 </a:tc>
                 <a:extLst>
                   <a:ext uri="{0D108BD9-81ED-4DB2-BD59-A6C34878D82A}">
-                    <a16:rowId xmlns="" xmlns:a16="http://schemas.microsoft.com/office/drawing/2014/main" val="587553252"/>
+                    <a16:rowId xmlns:a16="http://schemas.microsoft.com/office/drawing/2014/main" xmlns="" val="587553252"/>
                   </a:ext>
                 </a:extLst>
               </a:tr>
@@ -8204,7 +8859,7 @@
                 </a:tc>
                 <a:extLst>
                   <a:ext uri="{0D108BD9-81ED-4DB2-BD59-A6C34878D82A}">
-                    <a16:rowId xmlns="" xmlns:a16="http://schemas.microsoft.com/office/drawing/2014/main" val="1221791868"/>
+                    <a16:rowId xmlns:a16="http://schemas.microsoft.com/office/drawing/2014/main" xmlns="" val="1221791868"/>
                   </a:ext>
                 </a:extLst>
               </a:tr>
@@ -8297,7 +8952,7 @@
                 </a:tc>
                 <a:extLst>
                   <a:ext uri="{0D108BD9-81ED-4DB2-BD59-A6C34878D82A}">
-                    <a16:rowId xmlns="" xmlns:a16="http://schemas.microsoft.com/office/drawing/2014/main" val="1940980650"/>
+                    <a16:rowId xmlns:a16="http://schemas.microsoft.com/office/drawing/2014/main" xmlns="" val="1940980650"/>
                   </a:ext>
                 </a:extLst>
               </a:tr>
@@ -8394,7 +9049,7 @@
                 </a:tc>
                 <a:extLst>
                   <a:ext uri="{0D108BD9-81ED-4DB2-BD59-A6C34878D82A}">
-                    <a16:rowId xmlns="" xmlns:a16="http://schemas.microsoft.com/office/drawing/2014/main" val="2544194944"/>
+                    <a16:rowId xmlns:a16="http://schemas.microsoft.com/office/drawing/2014/main" xmlns="" val="2544194944"/>
                   </a:ext>
                 </a:extLst>
               </a:tr>
@@ -8483,7 +9138,7 @@
                 </a:tc>
                 <a:extLst>
                   <a:ext uri="{0D108BD9-81ED-4DB2-BD59-A6C34878D82A}">
-                    <a16:rowId xmlns="" xmlns:a16="http://schemas.microsoft.com/office/drawing/2014/main" val="826158006"/>
+                    <a16:rowId xmlns:a16="http://schemas.microsoft.com/office/drawing/2014/main" xmlns="" val="826158006"/>
                   </a:ext>
                 </a:extLst>
               </a:tr>
@@ -8572,7 +9227,7 @@
                 </a:tc>
                 <a:extLst>
                   <a:ext uri="{0D108BD9-81ED-4DB2-BD59-A6C34878D82A}">
-                    <a16:rowId xmlns="" xmlns:a16="http://schemas.microsoft.com/office/drawing/2014/main" val="1042367476"/>
+                    <a16:rowId xmlns:a16="http://schemas.microsoft.com/office/drawing/2014/main" xmlns="" val="1042367476"/>
                   </a:ext>
                 </a:extLst>
               </a:tr>
@@ -8651,7 +9306,7 @@
                 </a:tc>
                 <a:extLst>
                   <a:ext uri="{0D108BD9-81ED-4DB2-BD59-A6C34878D82A}">
-                    <a16:rowId xmlns="" xmlns:a16="http://schemas.microsoft.com/office/drawing/2014/main" val="2671434979"/>
+                    <a16:rowId xmlns:a16="http://schemas.microsoft.com/office/drawing/2014/main" xmlns="" val="2671434979"/>
                   </a:ext>
                 </a:extLst>
               </a:tr>
@@ -8669,125 +9324,6 @@
   <p:clrMapOvr>
     <a:masterClrMapping/>
   </p:clrMapOvr>
-</p:sld>
-</file>
-
-<file path=ppt/slides/slide9.xml><?xml version="1.0" encoding="utf-8"?>
-<p:sld xmlns:a="http://schemas.openxmlformats.org/drawingml/2006/main" xmlns:r="http://schemas.openxmlformats.org/officeDocument/2006/relationships" xmlns:p="http://schemas.openxmlformats.org/presentationml/2006/main">
-  <p:cSld>
-    <p:spTree>
-      <p:nvGrpSpPr>
-        <p:cNvPr id="1" name=""/>
-        <p:cNvGrpSpPr/>
-        <p:nvPr/>
-      </p:nvGrpSpPr>
-      <p:grpSpPr>
-        <a:xfrm>
-          <a:off x="0" y="0"/>
-          <a:ext cx="0" cy="0"/>
-          <a:chOff x="0" y="0"/>
-          <a:chExt cx="0" cy="0"/>
-        </a:xfrm>
-      </p:grpSpPr>
-      <p:sp>
-        <p:nvSpPr>
-          <p:cNvPr id="2" name="제목 1"/>
-          <p:cNvSpPr>
-            <a:spLocks noGrp="1"/>
-          </p:cNvSpPr>
-          <p:nvPr>
-            <p:ph type="title"/>
-          </p:nvPr>
-        </p:nvSpPr>
-        <p:spPr/>
-        <p:txBody>
-          <a:bodyPr/>
-          <a:lstStyle/>
-          <a:p>
-            <a:endParaRPr lang="ko-KR" altLang="en-US"/>
-          </a:p>
-        </p:txBody>
-      </p:sp>
-      <p:sp>
-        <p:nvSpPr>
-          <p:cNvPr id="3" name="내용 개체 틀 2"/>
-          <p:cNvSpPr>
-            <a:spLocks noGrp="1"/>
-          </p:cNvSpPr>
-          <p:nvPr>
-            <p:ph idx="1"/>
-          </p:nvPr>
-        </p:nvSpPr>
-        <p:spPr/>
-        <p:txBody>
-          <a:bodyPr/>
-          <a:lstStyle/>
-          <a:p>
-            <a:endParaRPr lang="ko-KR" altLang="en-US" dirty="0"/>
-          </a:p>
-        </p:txBody>
-      </p:sp>
-      <p:sp>
-        <p:nvSpPr>
-          <p:cNvPr id="4" name="직사각형 3"/>
-          <p:cNvSpPr/>
-          <p:nvPr/>
-        </p:nvSpPr>
-        <p:spPr>
-          <a:xfrm>
-            <a:off x="1547664" y="2348880"/>
-            <a:ext cx="4824536" cy="3096344"/>
-          </a:xfrm>
-          <a:prstGeom prst="rect">
-            <a:avLst/>
-          </a:prstGeom>
-        </p:spPr>
-        <p:style>
-          <a:lnRef idx="2">
-            <a:schemeClr val="accent1">
-              <a:shade val="50000"/>
-            </a:schemeClr>
-          </a:lnRef>
-          <a:fillRef idx="1">
-            <a:schemeClr val="accent1"/>
-          </a:fillRef>
-          <a:effectRef idx="0">
-            <a:schemeClr val="accent1"/>
-          </a:effectRef>
-          <a:fontRef idx="minor">
-            <a:schemeClr val="lt1"/>
-          </a:fontRef>
-        </p:style>
-        <p:txBody>
-          <a:bodyPr rtlCol="0" anchor="ctr"/>
-          <a:lstStyle/>
-          <a:p>
-            <a:pPr algn="ctr"/>
-            <a:r>
-              <a:rPr lang="ko-KR" altLang="en-US" dirty="0" smtClean="0"/>
-              <a:t>감사합니다</a:t>
-            </a:r>
-            <a:endParaRPr lang="ko-KR" altLang="en-US" dirty="0"/>
-          </a:p>
-        </p:txBody>
-      </p:sp>
-    </p:spTree>
-    <p:extLst>
-      <p:ext uri="{BB962C8B-B14F-4D97-AF65-F5344CB8AC3E}">
-        <p14:creationId xmlns:p14="http://schemas.microsoft.com/office/powerpoint/2010/main" val="2564779799"/>
-      </p:ext>
-    </p:extLst>
-  </p:cSld>
-  <p:clrMapOvr>
-    <a:masterClrMapping/>
-  </p:clrMapOvr>
-  <p:timing>
-    <p:tnLst>
-      <p:par>
-        <p:cTn id="1" dur="indefinite" restart="never" nodeType="tmRoot"/>
-      </p:par>
-    </p:tnLst>
-  </p:timing>
 </p:sld>
 </file>
 
@@ -9055,7 +9591,7 @@
   <a:extraClrSchemeLst/>
   <a:extLst>
     <a:ext uri="{05A4C25C-085E-4340-85A3-A5531E510DB2}">
-      <thm15:themeFamily xmlns="" xmlns:thm15="http://schemas.microsoft.com/office/thememl/2012/main" name="Vapor Trail" id="{4FDF2955-7D9C-493C-B9F9-C205151B46CD}" vid="{8F31A783-2159-4870-BC29-2BA7D038EA44}"/>
+      <thm15:themeFamily xmlns:thm15="http://schemas.microsoft.com/office/thememl/2012/main" xmlns="" name="Vapor Trail" id="{4FDF2955-7D9C-493C-B9F9-C205151B46CD}" vid="{8F31A783-2159-4870-BC29-2BA7D038EA44}"/>
     </a:ext>
   </a:extLst>
 </a:theme>
